--- a/02_EURO-LABS-2024_Advanced_School_Operation_Accelerators/MD_measurements.pptx
+++ b/02_EURO-LABS-2024_Advanced_School_Operation_Accelerators/MD_measurements.pptx
@@ -139,8 +139,8 @@
 <file path=ppt/revisionInfo.xml><?xml version="1.0" encoding="utf-8"?>
 <p1510:revInfo xmlns:a="http://schemas.openxmlformats.org/drawingml/2006/main" xmlns:r="http://schemas.openxmlformats.org/officeDocument/2006/relationships" xmlns:p1510="http://schemas.microsoft.com/office/powerpoint/2015/10/main">
   <p1510:revLst>
-    <p1510:client id="{75B497C2-8725-4070-84F8-2822DA06CBEB}" v="4286" dt="2024-06-03T20:58:48.033"/>
     <p1510:client id="{783FD6B1-6BA7-4E59-9D96-CC297E843439}" v="51" dt="2024-06-04T15:01:54.063"/>
+    <p1510:client id="{A43EA7C9-ECFF-4588-B1EC-CF538CBEFF91}" v="8" dt="2024-06-06T13:23:52.952"/>
   </p1510:revLst>
 </p1510:revInfo>
 </file>
@@ -746,7 +746,99 @@
       </pc:sldChg>
     </pc:docChg>
   </pc:docChgLst>
+  <pc:docChgLst>
+    <pc:chgData name="Tirsi Prebibaj" clId="Web-{A43EA7C9-ECFF-4588-B1EC-CF538CBEFF91}"/>
+    <pc:docChg chg="modSld sldOrd">
+      <pc:chgData name="Tirsi Prebibaj" userId="" providerId="" clId="Web-{A43EA7C9-ECFF-4588-B1EC-CF538CBEFF91}" dt="2024-06-06T13:23:52.952" v="7"/>
+      <pc:docMkLst>
+        <pc:docMk/>
+      </pc:docMkLst>
+      <pc:sldChg chg="addSp delSp">
+        <pc:chgData name="Tirsi Prebibaj" userId="" providerId="" clId="Web-{A43EA7C9-ECFF-4588-B1EC-CF538CBEFF91}" dt="2024-06-06T13:23:04.341" v="5"/>
+        <pc:sldMkLst>
+          <pc:docMk/>
+          <pc:sldMk cId="666687954" sldId="329"/>
+        </pc:sldMkLst>
+        <pc:inkChg chg="add del">
+          <ac:chgData name="Tirsi Prebibaj" userId="" providerId="" clId="Web-{A43EA7C9-ECFF-4588-B1EC-CF538CBEFF91}" dt="2024-06-06T13:23:04.341" v="5"/>
+          <ac:inkMkLst>
+            <pc:docMk/>
+            <pc:sldMk cId="666687954" sldId="329"/>
+            <ac:inkMk id="4" creationId="{40FAEFC4-82BF-9DCA-7DD8-4AEEC3E064C1}"/>
+          </ac:inkMkLst>
+        </pc:inkChg>
+        <pc:inkChg chg="add del">
+          <ac:chgData name="Tirsi Prebibaj" userId="" providerId="" clId="Web-{A43EA7C9-ECFF-4588-B1EC-CF538CBEFF91}" dt="2024-06-06T13:23:04.341" v="4"/>
+          <ac:inkMkLst>
+            <pc:docMk/>
+            <pc:sldMk cId="666687954" sldId="329"/>
+            <ac:inkMk id="5" creationId="{D005DF94-3841-8E5A-06EB-665642908F08}"/>
+          </ac:inkMkLst>
+        </pc:inkChg>
+        <pc:inkChg chg="add del">
+          <ac:chgData name="Tirsi Prebibaj" userId="" providerId="" clId="Web-{A43EA7C9-ECFF-4588-B1EC-CF538CBEFF91}" dt="2024-06-06T13:23:04.341" v="3"/>
+          <ac:inkMkLst>
+            <pc:docMk/>
+            <pc:sldMk cId="666687954" sldId="329"/>
+            <ac:inkMk id="6" creationId="{6B62BDEE-9472-5412-B2B1-5221A0560BE3}"/>
+          </ac:inkMkLst>
+        </pc:inkChg>
+      </pc:sldChg>
+      <pc:sldChg chg="addSp">
+        <pc:chgData name="Tirsi Prebibaj" userId="" providerId="" clId="Web-{A43EA7C9-ECFF-4588-B1EC-CF538CBEFF91}" dt="2024-06-06T13:23:51.545" v="6"/>
+        <pc:sldMkLst>
+          <pc:docMk/>
+          <pc:sldMk cId="1509327703" sldId="599"/>
+        </pc:sldMkLst>
+        <pc:inkChg chg="add">
+          <ac:chgData name="Tirsi Prebibaj" userId="" providerId="" clId="Web-{A43EA7C9-ECFF-4588-B1EC-CF538CBEFF91}" dt="2024-06-06T13:23:51.545" v="6"/>
+          <ac:inkMkLst>
+            <pc:docMk/>
+            <pc:sldMk cId="1509327703" sldId="599"/>
+            <ac:inkMk id="6" creationId="{1A822E14-A2D2-1E0F-B25C-1D77978E9CB4}"/>
+          </ac:inkMkLst>
+        </pc:inkChg>
+      </pc:sldChg>
+      <pc:sldChg chg="ord">
+        <pc:chgData name="Tirsi Prebibaj" userId="" providerId="" clId="Web-{A43EA7C9-ECFF-4588-B1EC-CF538CBEFF91}" dt="2024-06-06T13:23:52.952" v="7"/>
+        <pc:sldMkLst>
+          <pc:docMk/>
+          <pc:sldMk cId="3597634374" sldId="600"/>
+        </pc:sldMkLst>
+      </pc:sldChg>
+    </pc:docChg>
+  </pc:docChgLst>
 </pc:chgInfo>
+</file>
+
+<file path=ppt/ink/ink1.xml><?xml version="1.0" encoding="utf-8"?>
+<inkml:ink xmlns:inkml="http://www.w3.org/2003/InkML">
+  <inkml:definitions>
+    <inkml:context xml:id="ctx0">
+      <inkml:inkSource xml:id="inkSrc0">
+        <inkml:traceFormat>
+          <inkml:channel name="X" type="integer" min="-2.14748E9" max="2.14748E9" units="cm"/>
+          <inkml:channel name="Y" type="integer" min="-2.14748E9" max="2.14748E9" units="cm"/>
+          <inkml:channel name="F" type="integer" max="32767" units="dev"/>
+          <inkml:channel name="OA" type="integer" max="360" units="deg"/>
+          <inkml:channel name="OE" type="integer" max="90" units="deg"/>
+        </inkml:traceFormat>
+        <inkml:channelProperties>
+          <inkml:channelProperty channel="X" name="resolution" value="1000" units="1/cm"/>
+          <inkml:channelProperty channel="Y" name="resolution" value="1000" units="1/cm"/>
+          <inkml:channelProperty channel="F" name="resolution" value="0" units="1/dev"/>
+          <inkml:channelProperty channel="OA" name="resolution" value="1000" units="1/deg"/>
+          <inkml:channelProperty channel="OE" name="resolution" value="1000" units="1/deg"/>
+        </inkml:channelProperties>
+      </inkml:inkSource>
+    </inkml:context>
+    <inkml:brush xml:id="br0">
+      <inkml:brushProperty name="width" value="0.1" units="cm"/>
+      <inkml:brushProperty name="height" value="0.1" units="cm"/>
+    </inkml:brush>
+  </inkml:definitions>
+  <inkml:trace contextRef="#ctx0" brushRef="#br0">22119 13123 0 0 0,'0'0'0'0'0</inkml:trace>
+</inkml:ink>
 </file>
 
 <file path=ppt/notesMasters/notesMaster1.xml><?xml version="1.0" encoding="utf-8"?>
@@ -831,7 +923,7 @@
           <a:p>
             <a:fld id="{8A4C0F80-6607-4BDC-9DCB-D39546E94B0B}" type="datetimeFigureOut">
               <a:rPr lang="el-GR" smtClean="0"/>
-              <a:t>4/6/2024</a:t>
+              <a:t>6/6/2024</a:t>
             </a:fld>
             <a:endParaRPr lang="el-GR"/>
           </a:p>
@@ -1891,7 +1983,7 @@
             <a:fld id="{B7A9592F-66BE-4AAC-BA00-18BEC726EE68}" type="datetime1">
               <a:rPr lang="el-GR" smtClean="0"/>
               <a:pPr/>
-              <a:t>4/6/2024</a:t>
+              <a:t>6/6/2024</a:t>
             </a:fld>
             <a:endParaRPr lang="el-GR" dirty="0"/>
           </a:p>
@@ -2159,7 +2251,7 @@
             <a:fld id="{72F9C929-A3D9-4412-9D6D-12FB650E0447}" type="datetime1">
               <a:rPr lang="el-GR" smtClean="0"/>
               <a:pPr/>
-              <a:t>4/6/2024</a:t>
+              <a:t>6/6/2024</a:t>
             </a:fld>
             <a:endParaRPr lang="el-GR" dirty="0"/>
           </a:p>
@@ -2662,7 +2754,7 @@
             <a:fld id="{EEE68B35-9254-41FC-9494-7A48D56ED77A}" type="datetime1">
               <a:rPr lang="el-GR" smtClean="0"/>
               <a:pPr/>
-              <a:t>4/6/2024</a:t>
+              <a:t>6/6/2024</a:t>
             </a:fld>
             <a:endParaRPr lang="el-GR" dirty="0"/>
           </a:p>
@@ -3497,7 +3589,7 @@
             <a:fld id="{928A3DEA-9F18-4B65-8499-DDC6134B65E3}" type="datetime1">
               <a:rPr lang="el-GR" smtClean="0"/>
               <a:pPr/>
-              <a:t>4/6/2024</a:t>
+              <a:t>6/6/2024</a:t>
             </a:fld>
             <a:endParaRPr lang="el-GR" dirty="0"/>
           </a:p>
@@ -3671,7 +3763,7 @@
             <a:fld id="{FC200AC7-3CE8-4BF1-91EF-14EF52AC37AD}" type="datetime1">
               <a:rPr lang="el-GR" smtClean="0"/>
               <a:pPr/>
-              <a:t>4/6/2024</a:t>
+              <a:t>6/6/2024</a:t>
             </a:fld>
             <a:endParaRPr lang="el-GR" dirty="0"/>
           </a:p>
@@ -3824,7 +3916,7 @@
             <a:fld id="{ED14085D-C03C-42D7-9A5A-FB378F365A49}" type="datetime1">
               <a:rPr lang="el-GR" smtClean="0"/>
               <a:pPr/>
-              <a:t>4/6/2024</a:t>
+              <a:t>6/6/2024</a:t>
             </a:fld>
             <a:endParaRPr lang="el-GR" dirty="0"/>
           </a:p>
@@ -4185,7 +4277,7 @@
             <a:fld id="{DA78B38F-C656-4783-A433-9015DD68EB34}" type="datetime1">
               <a:rPr lang="el-GR" smtClean="0"/>
               <a:pPr/>
-              <a:t>4/6/2024</a:t>
+              <a:t>6/6/2024</a:t>
             </a:fld>
             <a:endParaRPr lang="el-GR" dirty="0"/>
           </a:p>
@@ -4510,7 +4602,7 @@
             <a:fld id="{0CE4520F-201B-47A3-A9FF-7E3A444EFB6B}" type="datetime1">
               <a:rPr lang="el-GR" smtClean="0"/>
               <a:pPr/>
-              <a:t>4/6/2024</a:t>
+              <a:t>6/6/2024</a:t>
             </a:fld>
             <a:endParaRPr lang="el-GR" dirty="0"/>
           </a:p>
@@ -4780,7 +4872,7 @@
             <a:fld id="{51C8CAD8-AEEF-4E4F-BD5F-ECFB1A2F50AF}" type="datetime1">
               <a:rPr lang="el-GR" smtClean="0"/>
               <a:pPr/>
-              <a:t>4/6/2024</a:t>
+              <a:t>6/6/2024</a:t>
             </a:fld>
             <a:endParaRPr lang="el-GR" dirty="0"/>
           </a:p>
@@ -6635,6 +6727,57 @@
           </a:p>
         </p:txBody>
       </p:sp>
+      <mc:AlternateContent xmlns:mc="http://schemas.openxmlformats.org/markup-compatibility/2006">
+        <mc:Choice xmlns:p14="http://schemas.microsoft.com/office/powerpoint/2010/main" Requires="p14">
+          <p:contentPart p14:bwMode="auto" r:id="rId2">
+            <p14:nvContentPartPr>
+              <p14:cNvPr id="6" name="Ink 5">
+                <a:extLst>
+                  <a:ext uri="{FF2B5EF4-FFF2-40B4-BE49-F238E27FC236}">
+                    <a16:creationId xmlns:a16="http://schemas.microsoft.com/office/drawing/2014/main" id="{1A822E14-A2D2-1E0F-B25C-1D77978E9CB4}"/>
+                  </a:ext>
+                </a:extLst>
+              </p14:cNvPr>
+              <p14:cNvContentPartPr/>
+              <p14:nvPr/>
+            </p14:nvContentPartPr>
+            <p14:xfrm>
+              <a:off x="6121685" y="4006921"/>
+              <a:ext cx="8561" cy="8561"/>
+            </p14:xfrm>
+          </p:contentPart>
+        </mc:Choice>
+        <mc:Fallback>
+          <p:pic>
+            <p:nvPicPr>
+              <p:cNvPr id="6" name="Ink 5">
+                <a:extLst>
+                  <a:ext uri="{FF2B5EF4-FFF2-40B4-BE49-F238E27FC236}">
+                    <a16:creationId xmlns:a16="http://schemas.microsoft.com/office/drawing/2014/main" id="{1A822E14-A2D2-1E0F-B25C-1D77978E9CB4}"/>
+                  </a:ext>
+                </a:extLst>
+              </p:cNvPr>
+              <p:cNvPicPr/>
+              <p:nvPr/>
+            </p:nvPicPr>
+            <p:blipFill>
+              <a:blip r:embed="rId3"/>
+              <a:stretch>
+                <a:fillRect/>
+              </a:stretch>
+            </p:blipFill>
+            <p:spPr>
+              <a:xfrm>
+                <a:off x="5693635" y="3578871"/>
+                <a:ext cx="856100" cy="856100"/>
+              </a:xfrm>
+              <a:prstGeom prst="rect">
+                <a:avLst/>
+              </a:prstGeom>
+            </p:spPr>
+          </p:pic>
+        </mc:Fallback>
+      </mc:AlternateContent>
     </p:spTree>
     <p:extLst>
       <p:ext uri="{BB962C8B-B14F-4D97-AF65-F5344CB8AC3E}">
